--- a/Daily Agendas/Day11.4_TypesOfMalware4.pptx
+++ b/Daily Agendas/Day11.4_TypesOfMalware4.pptx
@@ -3510,11 +3510,7 @@
           <a:p>
             <a:r>
               <a:rPr lang="en-US" dirty="0" smtClean="0"/>
-              <a:t>Types Of Malware Part 2 – Nov </a:t>
-            </a:r>
-            <a:r>
-              <a:rPr lang="en-US" dirty="0" smtClean="0"/>
-              <a:t>14</a:t>
+              <a:t>Types Of Malware Part 2 – Nov 14</a:t>
             </a:r>
             <a:endParaRPr lang="en-US" dirty="0"/>
           </a:p>
@@ -3533,7 +3529,7 @@
         <p:spPr/>
         <p:txBody>
           <a:bodyPr>
-            <a:normAutofit lnSpcReduction="10000"/>
+            <a:normAutofit/>
           </a:bodyPr>
           <a:lstStyle/>
           <a:p>
@@ -3546,63 +3542,58 @@
           <a:p>
             <a:pPr lvl="1"/>
             <a:r>
+              <a:rPr lang="en-CA" dirty="0"/>
+              <a:t>GitHub Folder / Uploaded Portfolios</a:t>
+            </a:r>
+          </a:p>
+          <a:p>
+            <a:pPr lvl="2"/>
+            <a:r>
+              <a:rPr lang="en-CA" dirty="0"/>
+              <a:t>Send your link to Mr. </a:t>
+            </a:r>
+            <a:r>
+              <a:rPr lang="en-CA" smtClean="0"/>
+              <a:t>Nestor (NOW)</a:t>
+            </a:r>
+            <a:endParaRPr lang="en-CA" dirty="0"/>
+          </a:p>
+          <a:p>
+            <a:pPr lvl="1"/>
+            <a:r>
               <a:rPr lang="en-CA" dirty="0" smtClean="0"/>
-              <a:t>A.4 Part 2 – Complete the Template Handout</a:t>
+              <a:t>A.4 </a:t>
+            </a:r>
+            <a:r>
+              <a:rPr lang="en-CA" dirty="0" smtClean="0"/>
+              <a:t>Part 2 – Complete the Template Handout</a:t>
             </a:r>
           </a:p>
           <a:p>
             <a:pPr lvl="2"/>
             <a:r>
               <a:rPr lang="en-CA" dirty="0" smtClean="0"/>
-              <a:t>Create </a:t>
-            </a:r>
-            <a:r>
-              <a:rPr lang="en-CA" dirty="0" err="1" smtClean="0"/>
-              <a:t>GitHub</a:t>
+              <a:t>Teach </a:t>
             </a:r>
             <a:r>
               <a:rPr lang="en-CA" dirty="0" smtClean="0"/>
-              <a:t> Folder / Upload Portfolios</a:t>
+              <a:t>Your Group Members About Your Portfolio</a:t>
             </a:r>
           </a:p>
           <a:p>
             <a:pPr lvl="2"/>
             <a:r>
               <a:rPr lang="en-CA" dirty="0" smtClean="0"/>
-              <a:t>Teach Your Group Members About Your Portfolio</a:t>
-            </a:r>
+              <a:t>Completed Template Is Due TODAY (No Extension</a:t>
+            </a:r>
+            <a:r>
+              <a:rPr lang="en-CA" dirty="0" smtClean="0"/>
+              <a:t>)</a:t>
+            </a:r>
+            <a:endParaRPr lang="en-CA" dirty="0"/>
           </a:p>
           <a:p>
             <a:pPr lvl="2"/>
-            <a:r>
-              <a:rPr lang="en-CA" dirty="0" smtClean="0"/>
-              <a:t>Completed Template Is Due </a:t>
-            </a:r>
-            <a:r>
-              <a:rPr lang="en-CA" dirty="0" smtClean="0"/>
-              <a:t>TODAY (No </a:t>
-            </a:r>
-            <a:r>
-              <a:rPr lang="en-CA" dirty="0" smtClean="0"/>
-              <a:t>Extension)</a:t>
-            </a:r>
-          </a:p>
-          <a:p>
-            <a:pPr lvl="1"/>
-            <a:r>
-              <a:rPr lang="en-CA" dirty="0" smtClean="0"/>
-              <a:t>A.4 Part 1 – Individual Portfolio</a:t>
-            </a:r>
-          </a:p>
-          <a:p>
-            <a:pPr lvl="2"/>
-            <a:r>
-              <a:rPr lang="en-CA" dirty="0" smtClean="0"/>
-              <a:t>Complete ASAP</a:t>
-            </a:r>
-            <a:br>
-              <a:rPr lang="en-CA" dirty="0" smtClean="0"/>
-            </a:br>
             <a:endParaRPr lang="en-US" dirty="0" smtClean="0"/>
           </a:p>
           <a:p>
@@ -3614,12 +3605,8 @@
           <a:p>
             <a:pPr lvl="1"/>
             <a:r>
-              <a:rPr lang="en-CA" sz="2400" smtClean="0"/>
-              <a:t>TODAY: </a:t>
-            </a:r>
-            <a:r>
               <a:rPr lang="en-CA" sz="2400" dirty="0" smtClean="0"/>
-              <a:t>Template DUE (No Extensions)</a:t>
+              <a:t>TODAY: Template DUE (No Extensions)</a:t>
             </a:r>
             <a:endParaRPr lang="en-CA" sz="2400" dirty="0"/>
           </a:p>

--- a/Daily Agendas/Day11.4_TypesOfMalware4.pptx
+++ b/Daily Agendas/Day11.4_TypesOfMalware4.pptx
@@ -5,10 +5,12 @@
     <p:sldMasterId id="2147483648" r:id="rId1"/>
   </p:sldMasterIdLst>
   <p:notesMasterIdLst>
-    <p:notesMasterId r:id="rId3"/>
+    <p:notesMasterId r:id="rId5"/>
   </p:notesMasterIdLst>
   <p:sldIdLst>
     <p:sldId id="256" r:id="rId2"/>
+    <p:sldId id="257" r:id="rId3"/>
+    <p:sldId id="258" r:id="rId4"/>
   </p:sldIdLst>
   <p:sldSz cx="9144000" cy="6858000" type="screen4x3"/>
   <p:notesSz cx="6858000" cy="9144000"/>
@@ -208,7 +210,7 @@
           <a:p>
             <a:fld id="{02927826-3378-4ECF-BA4E-36C71D5ECCFE}" type="datetimeFigureOut">
               <a:rPr lang="en-US" smtClean="0"/>
-              <a:t>11/13/2019</a:t>
+              <a:t>11/14/2019</a:t>
             </a:fld>
             <a:endParaRPr lang="en-US"/>
           </a:p>
@@ -740,7 +742,7 @@
             <a:fld id="{1D8BD707-D9CF-40AE-B4C6-C98DA3205C09}" type="datetimeFigureOut">
               <a:rPr lang="en-US" smtClean="0"/>
               <a:pPr/>
-              <a:t>11/13/2019</a:t>
+              <a:t>11/14/2019</a:t>
             </a:fld>
             <a:endParaRPr lang="en-US"/>
           </a:p>
@@ -905,7 +907,7 @@
             <a:fld id="{1D8BD707-D9CF-40AE-B4C6-C98DA3205C09}" type="datetimeFigureOut">
               <a:rPr lang="en-US" smtClean="0"/>
               <a:pPr/>
-              <a:t>11/13/2019</a:t>
+              <a:t>11/14/2019</a:t>
             </a:fld>
             <a:endParaRPr lang="en-US"/>
           </a:p>
@@ -1080,7 +1082,7 @@
             <a:fld id="{1D8BD707-D9CF-40AE-B4C6-C98DA3205C09}" type="datetimeFigureOut">
               <a:rPr lang="en-US" smtClean="0"/>
               <a:pPr/>
-              <a:t>11/13/2019</a:t>
+              <a:t>11/14/2019</a:t>
             </a:fld>
             <a:endParaRPr lang="en-US"/>
           </a:p>
@@ -1245,7 +1247,7 @@
             <a:fld id="{1D8BD707-D9CF-40AE-B4C6-C98DA3205C09}" type="datetimeFigureOut">
               <a:rPr lang="en-US" smtClean="0"/>
               <a:pPr/>
-              <a:t>11/13/2019</a:t>
+              <a:t>11/14/2019</a:t>
             </a:fld>
             <a:endParaRPr lang="en-US"/>
           </a:p>
@@ -1487,7 +1489,7 @@
             <a:fld id="{1D8BD707-D9CF-40AE-B4C6-C98DA3205C09}" type="datetimeFigureOut">
               <a:rPr lang="en-US" smtClean="0"/>
               <a:pPr/>
-              <a:t>11/13/2019</a:t>
+              <a:t>11/14/2019</a:t>
             </a:fld>
             <a:endParaRPr lang="en-US"/>
           </a:p>
@@ -1769,7 +1771,7 @@
             <a:fld id="{1D8BD707-D9CF-40AE-B4C6-C98DA3205C09}" type="datetimeFigureOut">
               <a:rPr lang="en-US" smtClean="0"/>
               <a:pPr/>
-              <a:t>11/13/2019</a:t>
+              <a:t>11/14/2019</a:t>
             </a:fld>
             <a:endParaRPr lang="en-US"/>
           </a:p>
@@ -2185,7 +2187,7 @@
             <a:fld id="{1D8BD707-D9CF-40AE-B4C6-C98DA3205C09}" type="datetimeFigureOut">
               <a:rPr lang="en-US" smtClean="0"/>
               <a:pPr/>
-              <a:t>11/13/2019</a:t>
+              <a:t>11/14/2019</a:t>
             </a:fld>
             <a:endParaRPr lang="en-US"/>
           </a:p>
@@ -2299,7 +2301,7 @@
             <a:fld id="{1D8BD707-D9CF-40AE-B4C6-C98DA3205C09}" type="datetimeFigureOut">
               <a:rPr lang="en-US" smtClean="0"/>
               <a:pPr/>
-              <a:t>11/13/2019</a:t>
+              <a:t>11/14/2019</a:t>
             </a:fld>
             <a:endParaRPr lang="en-US"/>
           </a:p>
@@ -2391,7 +2393,7 @@
             <a:fld id="{1D8BD707-D9CF-40AE-B4C6-C98DA3205C09}" type="datetimeFigureOut">
               <a:rPr lang="en-US" smtClean="0"/>
               <a:pPr/>
-              <a:t>11/13/2019</a:t>
+              <a:t>11/14/2019</a:t>
             </a:fld>
             <a:endParaRPr lang="en-US"/>
           </a:p>
@@ -2663,7 +2665,7 @@
             <a:fld id="{1D8BD707-D9CF-40AE-B4C6-C98DA3205C09}" type="datetimeFigureOut">
               <a:rPr lang="en-US" smtClean="0"/>
               <a:pPr/>
-              <a:t>11/13/2019</a:t>
+              <a:t>11/14/2019</a:t>
             </a:fld>
             <a:endParaRPr lang="en-US"/>
           </a:p>
@@ -2912,7 +2914,7 @@
             <a:fld id="{1D8BD707-D9CF-40AE-B4C6-C98DA3205C09}" type="datetimeFigureOut">
               <a:rPr lang="en-US" smtClean="0"/>
               <a:pPr/>
-              <a:t>11/13/2019</a:t>
+              <a:t>11/14/2019</a:t>
             </a:fld>
             <a:endParaRPr lang="en-US"/>
           </a:p>
@@ -3120,7 +3122,7 @@
             <a:fld id="{1D8BD707-D9CF-40AE-B4C6-C98DA3205C09}" type="datetimeFigureOut">
               <a:rPr lang="en-US" smtClean="0"/>
               <a:pPr/>
-              <a:t>11/13/2019</a:t>
+              <a:t>11/14/2019</a:t>
             </a:fld>
             <a:endParaRPr lang="en-US"/>
           </a:p>
@@ -3562,33 +3564,21 @@
             <a:pPr lvl="1"/>
             <a:r>
               <a:rPr lang="en-CA" dirty="0" smtClean="0"/>
-              <a:t>A.4 </a:t>
-            </a:r>
+              <a:t>A.4 Part 2 – Complete the Template Handout</a:t>
+            </a:r>
+          </a:p>
+          <a:p>
+            <a:pPr lvl="2"/>
             <a:r>
               <a:rPr lang="en-CA" dirty="0" smtClean="0"/>
-              <a:t>Part 2 – Complete the Template Handout</a:t>
+              <a:t>Teach Your Group Members About Your Portfolio</a:t>
             </a:r>
           </a:p>
           <a:p>
             <a:pPr lvl="2"/>
             <a:r>
               <a:rPr lang="en-CA" dirty="0" smtClean="0"/>
-              <a:t>Teach </a:t>
-            </a:r>
-            <a:r>
-              <a:rPr lang="en-CA" dirty="0" smtClean="0"/>
-              <a:t>Your Group Members About Your Portfolio</a:t>
-            </a:r>
-          </a:p>
-          <a:p>
-            <a:pPr lvl="2"/>
-            <a:r>
-              <a:rPr lang="en-CA" dirty="0" smtClean="0"/>
-              <a:t>Completed Template Is Due TODAY (No Extension</a:t>
-            </a:r>
-            <a:r>
-              <a:rPr lang="en-CA" dirty="0" smtClean="0"/>
-              <a:t>)</a:t>
+              <a:t>Completed Template Is Due TODAY (No Extension)</a:t>
             </a:r>
             <a:endParaRPr lang="en-CA" dirty="0"/>
           </a:p>
@@ -3617,6 +3607,229 @@
         </p:txBody>
       </p:sp>
     </p:spTree>
+  </p:cSld>
+  <p:clrMapOvr>
+    <a:masterClrMapping/>
+  </p:clrMapOvr>
+  <p:timing>
+    <p:tnLst>
+      <p:par>
+        <p:cTn id="1" dur="indefinite" restart="never" nodeType="tmRoot"/>
+      </p:par>
+    </p:tnLst>
+  </p:timing>
+</p:sld>
+</file>
+
+<file path=ppt/slides/slide2.xml><?xml version="1.0" encoding="utf-8"?>
+<p:sld xmlns:a="http://schemas.openxmlformats.org/drawingml/2006/main" xmlns:r="http://schemas.openxmlformats.org/officeDocument/2006/relationships" xmlns:p="http://schemas.openxmlformats.org/presentationml/2006/main">
+  <p:cSld>
+    <p:spTree>
+      <p:nvGrpSpPr>
+        <p:cNvPr id="1" name=""/>
+        <p:cNvGrpSpPr/>
+        <p:nvPr/>
+      </p:nvGrpSpPr>
+      <p:grpSpPr>
+        <a:xfrm>
+          <a:off x="0" y="0"/>
+          <a:ext cx="0" cy="0"/>
+          <a:chOff x="0" y="0"/>
+          <a:chExt cx="0" cy="0"/>
+        </a:xfrm>
+      </p:grpSpPr>
+      <p:sp>
+        <p:nvSpPr>
+          <p:cNvPr id="2" name="Title 1"/>
+          <p:cNvSpPr>
+            <a:spLocks noGrp="1"/>
+          </p:cNvSpPr>
+          <p:nvPr>
+            <p:ph type="title"/>
+          </p:nvPr>
+        </p:nvSpPr>
+        <p:spPr/>
+        <p:txBody>
+          <a:bodyPr/>
+          <a:lstStyle/>
+          <a:p>
+            <a:r>
+              <a:rPr lang="en-CA" dirty="0" smtClean="0"/>
+              <a:t>Send Me Your Link</a:t>
+            </a:r>
+            <a:endParaRPr lang="en-US" dirty="0"/>
+          </a:p>
+        </p:txBody>
+      </p:sp>
+      <p:sp>
+        <p:nvSpPr>
+          <p:cNvPr id="3" name="Content Placeholder 2"/>
+          <p:cNvSpPr>
+            <a:spLocks noGrp="1"/>
+          </p:cNvSpPr>
+          <p:nvPr>
+            <p:ph idx="1"/>
+          </p:nvPr>
+        </p:nvSpPr>
+        <p:spPr/>
+        <p:txBody>
+          <a:bodyPr/>
+          <a:lstStyle/>
+          <a:p>
+            <a:r>
+              <a:rPr lang="en-CA" dirty="0" smtClean="0"/>
+              <a:t>Send to </a:t>
+            </a:r>
+            <a:r>
+              <a:rPr lang="en-CA" dirty="0" smtClean="0">
+                <a:hlinkClick r:id="rId2"/>
+              </a:rPr>
+              <a:t>p0079141@pdsb.net</a:t>
+            </a:r>
+            <a:endParaRPr lang="en-CA" dirty="0" smtClean="0"/>
+          </a:p>
+          <a:p>
+            <a:endParaRPr lang="en-CA" dirty="0"/>
+          </a:p>
+          <a:p>
+            <a:pPr marL="514350" indent="-514350">
+              <a:buFont typeface="+mj-lt"/>
+              <a:buAutoNum type="arabicPeriod"/>
+            </a:pPr>
+            <a:r>
+              <a:rPr lang="en-CA" dirty="0" smtClean="0"/>
+              <a:t>GitHub Link </a:t>
+            </a:r>
+          </a:p>
+          <a:p>
+            <a:pPr marL="514350" indent="-514350">
+              <a:buFont typeface="+mj-lt"/>
+              <a:buAutoNum type="arabicPeriod"/>
+            </a:pPr>
+            <a:r>
+              <a:rPr lang="en-CA" dirty="0" smtClean="0"/>
+              <a:t>List of your group members</a:t>
+            </a:r>
+            <a:endParaRPr lang="en-US" dirty="0"/>
+          </a:p>
+        </p:txBody>
+      </p:sp>
+    </p:spTree>
+    <p:extLst>
+      <p:ext uri="{BB962C8B-B14F-4D97-AF65-F5344CB8AC3E}">
+        <p14:creationId xmlns:p14="http://schemas.microsoft.com/office/powerpoint/2010/main" val="1783042133"/>
+      </p:ext>
+    </p:extLst>
+  </p:cSld>
+  <p:clrMapOvr>
+    <a:masterClrMapping/>
+  </p:clrMapOvr>
+  <p:timing>
+    <p:tnLst>
+      <p:par>
+        <p:cTn id="1" dur="indefinite" restart="never" nodeType="tmRoot"/>
+      </p:par>
+    </p:tnLst>
+  </p:timing>
+</p:sld>
+</file>
+
+<file path=ppt/slides/slide3.xml><?xml version="1.0" encoding="utf-8"?>
+<p:sld xmlns:a="http://schemas.openxmlformats.org/drawingml/2006/main" xmlns:r="http://schemas.openxmlformats.org/officeDocument/2006/relationships" xmlns:p="http://schemas.openxmlformats.org/presentationml/2006/main">
+  <p:cSld>
+    <p:spTree>
+      <p:nvGrpSpPr>
+        <p:cNvPr id="1" name=""/>
+        <p:cNvGrpSpPr/>
+        <p:nvPr/>
+      </p:nvGrpSpPr>
+      <p:grpSpPr>
+        <a:xfrm>
+          <a:off x="0" y="0"/>
+          <a:ext cx="0" cy="0"/>
+          <a:chOff x="0" y="0"/>
+          <a:chExt cx="0" cy="0"/>
+        </a:xfrm>
+      </p:grpSpPr>
+      <p:sp>
+        <p:nvSpPr>
+          <p:cNvPr id="2" name="Title 1"/>
+          <p:cNvSpPr>
+            <a:spLocks noGrp="1"/>
+          </p:cNvSpPr>
+          <p:nvPr>
+            <p:ph type="title"/>
+          </p:nvPr>
+        </p:nvSpPr>
+        <p:spPr/>
+        <p:txBody>
+          <a:bodyPr/>
+          <a:lstStyle/>
+          <a:p>
+            <a:r>
+              <a:rPr lang="en-CA" dirty="0" smtClean="0"/>
+              <a:t>Mid-Term</a:t>
+            </a:r>
+            <a:endParaRPr lang="en-US" dirty="0"/>
+          </a:p>
+        </p:txBody>
+      </p:sp>
+      <p:sp>
+        <p:nvSpPr>
+          <p:cNvPr id="3" name="Content Placeholder 2"/>
+          <p:cNvSpPr>
+            <a:spLocks noGrp="1"/>
+          </p:cNvSpPr>
+          <p:nvPr>
+            <p:ph idx="1"/>
+          </p:nvPr>
+        </p:nvSpPr>
+        <p:spPr/>
+        <p:txBody>
+          <a:bodyPr/>
+          <a:lstStyle/>
+          <a:p>
+            <a:r>
+              <a:rPr lang="en-CA" dirty="0" smtClean="0"/>
+              <a:t>Multiple Choice	/10</a:t>
+            </a:r>
+          </a:p>
+          <a:p>
+            <a:endParaRPr lang="en-CA" dirty="0"/>
+          </a:p>
+          <a:p>
+            <a:r>
+              <a:rPr lang="en-CA" dirty="0" smtClean="0"/>
+              <a:t>Day 1			/34</a:t>
+            </a:r>
+          </a:p>
+          <a:p>
+            <a:endParaRPr lang="en-CA" dirty="0"/>
+          </a:p>
+          <a:p>
+            <a:r>
+              <a:rPr lang="en-CA" dirty="0" smtClean="0"/>
+              <a:t>Day 2			/31</a:t>
+            </a:r>
+          </a:p>
+          <a:p>
+            <a:endParaRPr lang="en-CA" dirty="0"/>
+          </a:p>
+          <a:p>
+            <a:r>
+              <a:rPr lang="en-CA" sz="4000" b="1" dirty="0" smtClean="0"/>
+              <a:t>Total:			/75</a:t>
+            </a:r>
+            <a:endParaRPr lang="en-US" sz="4000" b="1" dirty="0"/>
+          </a:p>
+        </p:txBody>
+      </p:sp>
+    </p:spTree>
+    <p:extLst>
+      <p:ext uri="{BB962C8B-B14F-4D97-AF65-F5344CB8AC3E}">
+        <p14:creationId xmlns:p14="http://schemas.microsoft.com/office/powerpoint/2010/main" val="3868526520"/>
+      </p:ext>
+    </p:extLst>
   </p:cSld>
   <p:clrMapOvr>
     <a:masterClrMapping/>
